--- a/Coroutines_28.12.pptx
+++ b/Coroutines_28.12.pptx
@@ -210,7 +210,7 @@
           <a:p>
             <a:fld id="{C150F602-B30E-4C35-A67C-EC2D1C74E75D}" type="datetimeFigureOut">
               <a:rPr lang="ru-RU" smtClean="0"/>
-              <a:t>17.03.2021</a:t>
+              <a:t>24.03.2021</a:t>
             </a:fld>
             <a:endParaRPr lang="ru-RU"/>
           </a:p>
@@ -609,7 +609,7 @@
           <a:p>
             <a:fld id="{79A8E361-A801-46F9-909A-15ADD9E6A9A9}" type="datetime1">
               <a:rPr lang="ru-RU" smtClean="0"/>
-              <a:t>17.03.2021</a:t>
+              <a:t>24.03.2021</a:t>
             </a:fld>
             <a:endParaRPr lang="ru-RU"/>
           </a:p>
@@ -779,7 +779,7 @@
           <a:p>
             <a:fld id="{795CD9B7-0E86-42D5-9EA6-14D9276C429A}" type="datetime1">
               <a:rPr lang="ru-RU" smtClean="0"/>
-              <a:t>17.03.2021</a:t>
+              <a:t>24.03.2021</a:t>
             </a:fld>
             <a:endParaRPr lang="ru-RU"/>
           </a:p>
@@ -959,7 +959,7 @@
           <a:p>
             <a:fld id="{50D55A69-1185-4A70-9C41-42C75EBBE3D8}" type="datetime1">
               <a:rPr lang="ru-RU" smtClean="0"/>
-              <a:t>17.03.2021</a:t>
+              <a:t>24.03.2021</a:t>
             </a:fld>
             <a:endParaRPr lang="ru-RU"/>
           </a:p>
@@ -1129,7 +1129,7 @@
           <a:p>
             <a:fld id="{7E8318A9-714D-4484-8AAE-78E02C154934}" type="datetime1">
               <a:rPr lang="ru-RU" smtClean="0"/>
-              <a:t>17.03.2021</a:t>
+              <a:t>24.03.2021</a:t>
             </a:fld>
             <a:endParaRPr lang="ru-RU"/>
           </a:p>
@@ -1375,7 +1375,7 @@
           <a:p>
             <a:fld id="{7DF41921-1CE1-42AA-8E20-A620C71CFF26}" type="datetime1">
               <a:rPr lang="ru-RU" smtClean="0"/>
-              <a:t>17.03.2021</a:t>
+              <a:t>24.03.2021</a:t>
             </a:fld>
             <a:endParaRPr lang="ru-RU"/>
           </a:p>
@@ -1607,7 +1607,7 @@
           <a:p>
             <a:fld id="{EE0F1473-400D-4128-BEDB-52B6BA8840C9}" type="datetime1">
               <a:rPr lang="ru-RU" smtClean="0"/>
-              <a:t>17.03.2021</a:t>
+              <a:t>24.03.2021</a:t>
             </a:fld>
             <a:endParaRPr lang="ru-RU"/>
           </a:p>
@@ -1974,7 +1974,7 @@
           <a:p>
             <a:fld id="{787513A2-9643-4A89-B9C8-6B91FC89D37D}" type="datetime1">
               <a:rPr lang="ru-RU" smtClean="0"/>
-              <a:t>17.03.2021</a:t>
+              <a:t>24.03.2021</a:t>
             </a:fld>
             <a:endParaRPr lang="ru-RU"/>
           </a:p>
@@ -2092,7 +2092,7 @@
           <a:p>
             <a:fld id="{3C7FEFBA-5EE3-4374-97AA-2E1D990F6206}" type="datetime1">
               <a:rPr lang="ru-RU" smtClean="0"/>
-              <a:t>17.03.2021</a:t>
+              <a:t>24.03.2021</a:t>
             </a:fld>
             <a:endParaRPr lang="ru-RU"/>
           </a:p>
@@ -2187,7 +2187,7 @@
           <a:p>
             <a:fld id="{018E62B4-9877-48C2-809E-F45FB959085C}" type="datetime1">
               <a:rPr lang="ru-RU" smtClean="0"/>
-              <a:t>17.03.2021</a:t>
+              <a:t>24.03.2021</a:t>
             </a:fld>
             <a:endParaRPr lang="ru-RU"/>
           </a:p>
@@ -2464,7 +2464,7 @@
           <a:p>
             <a:fld id="{B9A81128-AAB2-4924-8BD9-2E28113E97AC}" type="datetime1">
               <a:rPr lang="ru-RU" smtClean="0"/>
-              <a:t>17.03.2021</a:t>
+              <a:t>24.03.2021</a:t>
             </a:fld>
             <a:endParaRPr lang="ru-RU"/>
           </a:p>
@@ -2717,7 +2717,7 @@
           <a:p>
             <a:fld id="{E3802A9A-557B-4A46-A0DE-F67AC1379C9A}" type="datetime1">
               <a:rPr lang="ru-RU" smtClean="0"/>
-              <a:t>17.03.2021</a:t>
+              <a:t>24.03.2021</a:t>
             </a:fld>
             <a:endParaRPr lang="ru-RU"/>
           </a:p>
@@ -2930,7 +2930,7 @@
           <a:p>
             <a:fld id="{0912C233-0635-4ED8-B09B-6BE935421A60}" type="datetime1">
               <a:rPr lang="ru-RU" smtClean="0"/>
-              <a:t>17.03.2021</a:t>
+              <a:t>24.03.2021</a:t>
             </a:fld>
             <a:endParaRPr lang="ru-RU"/>
           </a:p>
@@ -4630,11 +4630,7 @@
             </a:r>
             <a:r>
               <a:rPr lang="ru-RU" sz="3600" dirty="0" smtClean="0"/>
-              <a:t>управляемые средой исполнение </a:t>
-            </a:r>
-            <a:r>
-              <a:rPr lang="ru-RU" sz="3600" dirty="0" smtClean="0"/>
-              <a:t>языка посредством </a:t>
+              <a:t>управляемые средой исполнение языка посредством </a:t>
             </a:r>
             <a:r>
               <a:rPr lang="ru-RU" sz="3600" smtClean="0"/>

--- a/Coroutines_28.12.pptx
+++ b/Coroutines_28.12.pptx
@@ -210,7 +210,7 @@
           <a:p>
             <a:fld id="{C150F602-B30E-4C35-A67C-EC2D1C74E75D}" type="datetimeFigureOut">
               <a:rPr lang="ru-RU" smtClean="0"/>
-              <a:t>24.03.2021</a:t>
+              <a:t>12.04.2021</a:t>
             </a:fld>
             <a:endParaRPr lang="ru-RU"/>
           </a:p>
@@ -609,7 +609,7 @@
           <a:p>
             <a:fld id="{79A8E361-A801-46F9-909A-15ADD9E6A9A9}" type="datetime1">
               <a:rPr lang="ru-RU" smtClean="0"/>
-              <a:t>24.03.2021</a:t>
+              <a:t>12.04.2021</a:t>
             </a:fld>
             <a:endParaRPr lang="ru-RU"/>
           </a:p>
@@ -779,7 +779,7 @@
           <a:p>
             <a:fld id="{795CD9B7-0E86-42D5-9EA6-14D9276C429A}" type="datetime1">
               <a:rPr lang="ru-RU" smtClean="0"/>
-              <a:t>24.03.2021</a:t>
+              <a:t>12.04.2021</a:t>
             </a:fld>
             <a:endParaRPr lang="ru-RU"/>
           </a:p>
@@ -959,7 +959,7 @@
           <a:p>
             <a:fld id="{50D55A69-1185-4A70-9C41-42C75EBBE3D8}" type="datetime1">
               <a:rPr lang="ru-RU" smtClean="0"/>
-              <a:t>24.03.2021</a:t>
+              <a:t>12.04.2021</a:t>
             </a:fld>
             <a:endParaRPr lang="ru-RU"/>
           </a:p>
@@ -1129,7 +1129,7 @@
           <a:p>
             <a:fld id="{7E8318A9-714D-4484-8AAE-78E02C154934}" type="datetime1">
               <a:rPr lang="ru-RU" smtClean="0"/>
-              <a:t>24.03.2021</a:t>
+              <a:t>12.04.2021</a:t>
             </a:fld>
             <a:endParaRPr lang="ru-RU"/>
           </a:p>
@@ -1375,7 +1375,7 @@
           <a:p>
             <a:fld id="{7DF41921-1CE1-42AA-8E20-A620C71CFF26}" type="datetime1">
               <a:rPr lang="ru-RU" smtClean="0"/>
-              <a:t>24.03.2021</a:t>
+              <a:t>12.04.2021</a:t>
             </a:fld>
             <a:endParaRPr lang="ru-RU"/>
           </a:p>
@@ -1607,7 +1607,7 @@
           <a:p>
             <a:fld id="{EE0F1473-400D-4128-BEDB-52B6BA8840C9}" type="datetime1">
               <a:rPr lang="ru-RU" smtClean="0"/>
-              <a:t>24.03.2021</a:t>
+              <a:t>12.04.2021</a:t>
             </a:fld>
             <a:endParaRPr lang="ru-RU"/>
           </a:p>
@@ -1974,7 +1974,7 @@
           <a:p>
             <a:fld id="{787513A2-9643-4A89-B9C8-6B91FC89D37D}" type="datetime1">
               <a:rPr lang="ru-RU" smtClean="0"/>
-              <a:t>24.03.2021</a:t>
+              <a:t>12.04.2021</a:t>
             </a:fld>
             <a:endParaRPr lang="ru-RU"/>
           </a:p>
@@ -2092,7 +2092,7 @@
           <a:p>
             <a:fld id="{3C7FEFBA-5EE3-4374-97AA-2E1D990F6206}" type="datetime1">
               <a:rPr lang="ru-RU" smtClean="0"/>
-              <a:t>24.03.2021</a:t>
+              <a:t>12.04.2021</a:t>
             </a:fld>
             <a:endParaRPr lang="ru-RU"/>
           </a:p>
@@ -2187,7 +2187,7 @@
           <a:p>
             <a:fld id="{018E62B4-9877-48C2-809E-F45FB959085C}" type="datetime1">
               <a:rPr lang="ru-RU" smtClean="0"/>
-              <a:t>24.03.2021</a:t>
+              <a:t>12.04.2021</a:t>
             </a:fld>
             <a:endParaRPr lang="ru-RU"/>
           </a:p>
@@ -2464,7 +2464,7 @@
           <a:p>
             <a:fld id="{B9A81128-AAB2-4924-8BD9-2E28113E97AC}" type="datetime1">
               <a:rPr lang="ru-RU" smtClean="0"/>
-              <a:t>24.03.2021</a:t>
+              <a:t>12.04.2021</a:t>
             </a:fld>
             <a:endParaRPr lang="ru-RU"/>
           </a:p>
@@ -2717,7 +2717,7 @@
           <a:p>
             <a:fld id="{E3802A9A-557B-4A46-A0DE-F67AC1379C9A}" type="datetime1">
               <a:rPr lang="ru-RU" smtClean="0"/>
-              <a:t>24.03.2021</a:t>
+              <a:t>12.04.2021</a:t>
             </a:fld>
             <a:endParaRPr lang="ru-RU"/>
           </a:p>
@@ -2930,7 +2930,7 @@
           <a:p>
             <a:fld id="{0912C233-0635-4ED8-B09B-6BE935421A60}" type="datetime1">
               <a:rPr lang="ru-RU" smtClean="0"/>
-              <a:t>24.03.2021</a:t>
+              <a:t>12.04.2021</a:t>
             </a:fld>
             <a:endParaRPr lang="ru-RU"/>
           </a:p>
@@ -5373,65 +5373,114 @@
               <a:buNone/>
             </a:pPr>
             <a:r>
-              <a:rPr lang="ru-RU" sz="4000" dirty="0" err="1"/>
+              <a:rPr lang="ru-RU" sz="3600" dirty="0" err="1"/>
               <a:t>Project</a:t>
             </a:r>
             <a:r>
-              <a:rPr lang="ru-RU" sz="4000" dirty="0"/>
+              <a:rPr lang="ru-RU" sz="3600" dirty="0"/>
               <a:t> </a:t>
             </a:r>
             <a:r>
-              <a:rPr lang="ru-RU" sz="4000" dirty="0" err="1"/>
+              <a:rPr lang="ru-RU" sz="3600" dirty="0" err="1"/>
               <a:t>Loom</a:t>
             </a:r>
             <a:r>
-              <a:rPr lang="ru-RU" sz="4000" dirty="0"/>
+              <a:rPr lang="ru-RU" sz="3600" dirty="0"/>
               <a:t> </a:t>
             </a:r>
             <a:r>
-              <a:rPr lang="en-US" sz="4000" dirty="0" smtClean="0"/>
+              <a:rPr lang="en-US" sz="3600" dirty="0" smtClean="0"/>
               <a:t>– </a:t>
             </a:r>
             <a:r>
+              <a:rPr lang="ru-RU" sz="3600" dirty="0" smtClean="0"/>
+              <a:t>проект</a:t>
+            </a:r>
+            <a:r>
+              <a:rPr lang="en-US" sz="3600" dirty="0" smtClean="0"/>
+              <a:t> </a:t>
+            </a:r>
+            <a:r>
+              <a:rPr lang="ru-RU" sz="3600" dirty="0" smtClean="0"/>
+              <a:t>на базе </a:t>
+            </a:r>
+            <a:r>
+              <a:rPr lang="en-US" sz="3600" dirty="0" err="1" smtClean="0"/>
+              <a:t>OpenJDK</a:t>
+            </a:r>
+            <a:r>
+              <a:rPr lang="ru-RU" sz="3600" dirty="0" smtClean="0"/>
+              <a:t>, </a:t>
+            </a:r>
+            <a:r>
+              <a:rPr lang="ru-RU" sz="3600" dirty="0" smtClean="0"/>
+              <a:t>целью которого является </a:t>
+            </a:r>
+            <a:r>
+              <a:rPr lang="ru-RU" sz="3600" dirty="0" smtClean="0"/>
+              <a:t>разработка </a:t>
+            </a:r>
+            <a:r>
+              <a:rPr lang="ru-RU" sz="3600" dirty="0" smtClean="0"/>
+              <a:t>сопрограмм</a:t>
+            </a:r>
+            <a:r>
+              <a:rPr lang="en-US" sz="3600" dirty="0" smtClean="0"/>
+              <a:t> </a:t>
+            </a:r>
+            <a:r>
+              <a:rPr lang="ru-RU" sz="3600" dirty="0" smtClean="0"/>
+              <a:t>для языка </a:t>
+            </a:r>
+            <a:r>
+              <a:rPr lang="en-US" sz="3600" dirty="0" smtClean="0"/>
+              <a:t>Java</a:t>
+            </a:r>
+            <a:r>
               <a:rPr lang="ru-RU" sz="4000" dirty="0" smtClean="0"/>
-              <a:t>исследовательский проект, целью которого является разработка новых возможностей </a:t>
-            </a:r>
-            <a:r>
-              <a:rPr lang="en-US" sz="4000" dirty="0" smtClean="0"/>
-              <a:t> Java VM</a:t>
-            </a:r>
-            <a:r>
-              <a:rPr lang="ru-RU" sz="4000" dirty="0" smtClean="0"/>
-              <a:t>, связанных с многопоточным программированием. </a:t>
-            </a:r>
+              <a:t>. </a:t>
+            </a:r>
+            <a:endParaRPr lang="ru-RU" sz="4000" dirty="0" smtClean="0"/>
           </a:p>
           <a:p>
             <a:pPr marL="0" indent="0">
               <a:buNone/>
             </a:pPr>
-            <a:r>
-              <a:rPr lang="en-US" sz="4000" dirty="0"/>
-              <a:t>	</a:t>
-            </a:r>
+            <a:endParaRPr lang="ru-RU" sz="4000" dirty="0"/>
+          </a:p>
+          <a:p>
+            <a:pPr marL="0" indent="0">
+              <a:buNone/>
+            </a:pPr>
             <a:r>
               <a:rPr lang="ru-RU" sz="4000" dirty="0" smtClean="0"/>
-              <a:t>Одной из задач проекта является разработка сопрограмм</a:t>
+              <a:t>На данный момент выпущена ранняя версия</a:t>
             </a:r>
             <a:r>
               <a:rPr lang="en-US" sz="4000" dirty="0" smtClean="0"/>
               <a:t> </a:t>
             </a:r>
+            <a:endParaRPr lang="en-US" sz="4000" dirty="0"/>
+          </a:p>
+          <a:p>
+            <a:pPr marL="0" indent="0">
+              <a:buNone/>
+            </a:pPr>
             <a:r>
               <a:rPr lang="ru-RU" sz="4000" dirty="0" smtClean="0"/>
-              <a:t>для языка </a:t>
-            </a:r>
-            <a:r>
-              <a:rPr lang="en-US" sz="4000" dirty="0" smtClean="0"/>
-              <a:t>Java</a:t>
+              <a:t>На базе</a:t>
+            </a:r>
+            <a:r>
+              <a:rPr lang="ru-RU" sz="4000" dirty="0"/>
+              <a:t> </a:t>
+            </a:r>
+            <a:r>
+              <a:rPr lang="en-US" sz="4000" dirty="0" err="1" smtClean="0"/>
+              <a:t>jdk</a:t>
             </a:r>
             <a:r>
               <a:rPr lang="ru-RU" sz="4000" dirty="0" smtClean="0"/>
-              <a:t>. </a:t>
+              <a:t>17.</a:t>
             </a:r>
           </a:p>
         </p:txBody>
